--- a/sql/摩爾迦納旅聞報報.pptx
+++ b/sql/摩爾迦納旅聞報報.pptx
@@ -112,6 +112,11 @@
       </a:defRPr>
     </a:lvl9pPr>
   </p:defaultTextStyle>
+  <p:extLst>
+    <p:ext uri="{EFAFB233-063F-42B5-8137-9DF3F51BA10A}">
+      <p15:sldGuideLst xmlns:p15="http://schemas.microsoft.com/office/powerpoint/2012/main"/>
+    </p:ext>
+  </p:extLst>
 </p:presentation>
 </file>
 
@@ -1097,6 +1102,13 @@
         </dgm:presLayoutVars>
       </dgm:prSet>
       <dgm:spPr/>
+      <dgm:t>
+        <a:bodyPr/>
+        <a:lstStyle/>
+        <a:p>
+          <a:endParaRPr lang="zh-TW" altLang="en-US"/>
+        </a:p>
+      </dgm:t>
     </dgm:pt>
     <dgm:pt modelId="{EC10A80E-772B-46EF-BE6A-C4B7344749AC}" type="pres">
       <dgm:prSet presAssocID="{11C59A25-0E85-47C9-BDFB-3BF6292074B9}" presName="node" presStyleLbl="node1" presStyleIdx="0" presStyleCnt="5">
@@ -1116,10 +1128,24 @@
     <dgm:pt modelId="{F1734059-BFC6-4684-8907-2690EB0058B8}" type="pres">
       <dgm:prSet presAssocID="{9894144E-DC6A-4631-9673-7AB251C01CAC}" presName="sibTrans" presStyleLbl="sibTrans2D1" presStyleIdx="0" presStyleCnt="5"/>
       <dgm:spPr/>
+      <dgm:t>
+        <a:bodyPr/>
+        <a:lstStyle/>
+        <a:p>
+          <a:endParaRPr lang="zh-TW" altLang="en-US"/>
+        </a:p>
+      </dgm:t>
     </dgm:pt>
     <dgm:pt modelId="{3F1807D1-C996-451F-A33B-5043BA33CBBD}" type="pres">
       <dgm:prSet presAssocID="{9894144E-DC6A-4631-9673-7AB251C01CAC}" presName="connectorText" presStyleLbl="sibTrans2D1" presStyleIdx="0" presStyleCnt="5"/>
       <dgm:spPr/>
+      <dgm:t>
+        <a:bodyPr/>
+        <a:lstStyle/>
+        <a:p>
+          <a:endParaRPr lang="zh-TW" altLang="en-US"/>
+        </a:p>
+      </dgm:t>
     </dgm:pt>
     <dgm:pt modelId="{48F8822F-386C-43C0-9E5C-70789A667841}" type="pres">
       <dgm:prSet presAssocID="{9C57AC41-64A4-4D82-90C1-95B96355907A}" presName="node" presStyleLbl="node1" presStyleIdx="1" presStyleCnt="5">
@@ -1128,14 +1154,35 @@
         </dgm:presLayoutVars>
       </dgm:prSet>
       <dgm:spPr/>
+      <dgm:t>
+        <a:bodyPr/>
+        <a:lstStyle/>
+        <a:p>
+          <a:endParaRPr lang="zh-TW" altLang="en-US"/>
+        </a:p>
+      </dgm:t>
     </dgm:pt>
     <dgm:pt modelId="{7D4A3DE1-7925-4473-90E8-82139EF6C5E6}" type="pres">
       <dgm:prSet presAssocID="{76F89345-777D-41C8-9D1A-01CAFB3DFB58}" presName="sibTrans" presStyleLbl="sibTrans2D1" presStyleIdx="1" presStyleCnt="5"/>
       <dgm:spPr/>
+      <dgm:t>
+        <a:bodyPr/>
+        <a:lstStyle/>
+        <a:p>
+          <a:endParaRPr lang="zh-TW" altLang="en-US"/>
+        </a:p>
+      </dgm:t>
     </dgm:pt>
     <dgm:pt modelId="{902F89BC-FB26-40F8-874F-4FE5A278572D}" type="pres">
       <dgm:prSet presAssocID="{76F89345-777D-41C8-9D1A-01CAFB3DFB58}" presName="connectorText" presStyleLbl="sibTrans2D1" presStyleIdx="1" presStyleCnt="5"/>
       <dgm:spPr/>
+      <dgm:t>
+        <a:bodyPr/>
+        <a:lstStyle/>
+        <a:p>
+          <a:endParaRPr lang="zh-TW" altLang="en-US"/>
+        </a:p>
+      </dgm:t>
     </dgm:pt>
     <dgm:pt modelId="{64E59318-03A5-4ADF-89E8-4666FE5C0FA4}" type="pres">
       <dgm:prSet presAssocID="{5A2FA1DD-F52A-440D-AE10-029D0014C8E6}" presName="node" presStyleLbl="node1" presStyleIdx="2" presStyleCnt="5">
@@ -1144,14 +1191,35 @@
         </dgm:presLayoutVars>
       </dgm:prSet>
       <dgm:spPr/>
+      <dgm:t>
+        <a:bodyPr/>
+        <a:lstStyle/>
+        <a:p>
+          <a:endParaRPr lang="zh-TW" altLang="en-US"/>
+        </a:p>
+      </dgm:t>
     </dgm:pt>
     <dgm:pt modelId="{DF82FA4D-0758-40A9-9376-EB2279D39919}" type="pres">
       <dgm:prSet presAssocID="{19CA4319-9CF3-400C-993B-E24E19FCD234}" presName="sibTrans" presStyleLbl="sibTrans2D1" presStyleIdx="2" presStyleCnt="5"/>
       <dgm:spPr/>
+      <dgm:t>
+        <a:bodyPr/>
+        <a:lstStyle/>
+        <a:p>
+          <a:endParaRPr lang="zh-TW" altLang="en-US"/>
+        </a:p>
+      </dgm:t>
     </dgm:pt>
     <dgm:pt modelId="{89AD7EA4-63E5-484C-BA35-F9E00D60EF36}" type="pres">
       <dgm:prSet presAssocID="{19CA4319-9CF3-400C-993B-E24E19FCD234}" presName="connectorText" presStyleLbl="sibTrans2D1" presStyleIdx="2" presStyleCnt="5"/>
       <dgm:spPr/>
+      <dgm:t>
+        <a:bodyPr/>
+        <a:lstStyle/>
+        <a:p>
+          <a:endParaRPr lang="zh-TW" altLang="en-US"/>
+        </a:p>
+      </dgm:t>
     </dgm:pt>
     <dgm:pt modelId="{3C606DDE-069E-4BCA-9BEA-77E080AC0B9D}" type="pres">
       <dgm:prSet presAssocID="{8F0C8048-1D51-4B80-B882-DEBA6EE16DB5}" presName="node" presStyleLbl="node1" presStyleIdx="3" presStyleCnt="5">
@@ -1160,14 +1228,35 @@
         </dgm:presLayoutVars>
       </dgm:prSet>
       <dgm:spPr/>
+      <dgm:t>
+        <a:bodyPr/>
+        <a:lstStyle/>
+        <a:p>
+          <a:endParaRPr lang="zh-TW" altLang="en-US"/>
+        </a:p>
+      </dgm:t>
     </dgm:pt>
     <dgm:pt modelId="{B0516254-1B93-45EE-B904-E617DCF2BD7C}" type="pres">
       <dgm:prSet presAssocID="{437C1A4C-2B88-4A37-A3D0-FD3233D3528E}" presName="sibTrans" presStyleLbl="sibTrans2D1" presStyleIdx="3" presStyleCnt="5"/>
       <dgm:spPr/>
+      <dgm:t>
+        <a:bodyPr/>
+        <a:lstStyle/>
+        <a:p>
+          <a:endParaRPr lang="zh-TW" altLang="en-US"/>
+        </a:p>
+      </dgm:t>
     </dgm:pt>
     <dgm:pt modelId="{AED8B602-FF1B-49C0-A922-715ABF34C787}" type="pres">
       <dgm:prSet presAssocID="{437C1A4C-2B88-4A37-A3D0-FD3233D3528E}" presName="connectorText" presStyleLbl="sibTrans2D1" presStyleIdx="3" presStyleCnt="5"/>
       <dgm:spPr/>
+      <dgm:t>
+        <a:bodyPr/>
+        <a:lstStyle/>
+        <a:p>
+          <a:endParaRPr lang="zh-TW" altLang="en-US"/>
+        </a:p>
+      </dgm:t>
     </dgm:pt>
     <dgm:pt modelId="{2945A799-A996-4DE5-9F99-D5E60B463C7E}" type="pres">
       <dgm:prSet presAssocID="{CE0D4702-D388-40C0-8076-A991F70D28FF}" presName="node" presStyleLbl="node1" presStyleIdx="4" presStyleCnt="5">
@@ -1187,34 +1276,48 @@
     <dgm:pt modelId="{95E52CDD-5CBD-440F-8789-867E06F8952D}" type="pres">
       <dgm:prSet presAssocID="{DF41F379-5DFC-4FC4-9BFB-1DF27093CFEE}" presName="sibTrans" presStyleLbl="sibTrans2D1" presStyleIdx="4" presStyleCnt="5"/>
       <dgm:spPr/>
+      <dgm:t>
+        <a:bodyPr/>
+        <a:lstStyle/>
+        <a:p>
+          <a:endParaRPr lang="zh-TW" altLang="en-US"/>
+        </a:p>
+      </dgm:t>
     </dgm:pt>
     <dgm:pt modelId="{DF5750C1-B28A-4633-9847-66B8C7820F70}" type="pres">
       <dgm:prSet presAssocID="{DF41F379-5DFC-4FC4-9BFB-1DF27093CFEE}" presName="connectorText" presStyleLbl="sibTrans2D1" presStyleIdx="4" presStyleCnt="5"/>
       <dgm:spPr/>
+      <dgm:t>
+        <a:bodyPr/>
+        <a:lstStyle/>
+        <a:p>
+          <a:endParaRPr lang="zh-TW" altLang="en-US"/>
+        </a:p>
+      </dgm:t>
     </dgm:pt>
   </dgm:ptLst>
   <dgm:cxnLst>
+    <dgm:cxn modelId="{60657D11-FE8F-416B-9A7F-4F5607208A7B}" type="presOf" srcId="{9894144E-DC6A-4631-9673-7AB251C01CAC}" destId="{3F1807D1-C996-451F-A33B-5043BA33CBBD}" srcOrd="1" destOrd="0" presId="urn:microsoft.com/office/officeart/2005/8/layout/cycle2"/>
+    <dgm:cxn modelId="{CD79ECCE-87DA-4633-AEE5-2459E062DE18}" type="presOf" srcId="{437C1A4C-2B88-4A37-A3D0-FD3233D3528E}" destId="{B0516254-1B93-45EE-B904-E617DCF2BD7C}" srcOrd="0" destOrd="0" presId="urn:microsoft.com/office/officeart/2005/8/layout/cycle2"/>
+    <dgm:cxn modelId="{1E22A37F-FE64-42A2-A54C-491ABC0D021F}" type="presOf" srcId="{437C1A4C-2B88-4A37-A3D0-FD3233D3528E}" destId="{AED8B602-FF1B-49C0-A922-715ABF34C787}" srcOrd="1" destOrd="0" presId="urn:microsoft.com/office/officeart/2005/8/layout/cycle2"/>
+    <dgm:cxn modelId="{DB507B32-6304-4CD9-A7EE-AACF99F3D3D8}" srcId="{AAE08A39-0FE6-480E-8B5D-91A667E7A3A3}" destId="{CE0D4702-D388-40C0-8076-A991F70D28FF}" srcOrd="4" destOrd="0" parTransId="{4C8A6063-C134-4C08-8B9D-2300223C258E}" sibTransId="{DF41F379-5DFC-4FC4-9BFB-1DF27093CFEE}"/>
+    <dgm:cxn modelId="{D8A59F9C-EA18-4DA2-89D4-A815656F37A1}" type="presOf" srcId="{11C59A25-0E85-47C9-BDFB-3BF6292074B9}" destId="{EC10A80E-772B-46EF-BE6A-C4B7344749AC}" srcOrd="0" destOrd="0" presId="urn:microsoft.com/office/officeart/2005/8/layout/cycle2"/>
+    <dgm:cxn modelId="{F913BE47-F138-431B-A6CE-FCFECACE6423}" type="presOf" srcId="{AAE08A39-0FE6-480E-8B5D-91A667E7A3A3}" destId="{E75AC16E-70A1-49A8-801A-892E2652FABD}" srcOrd="0" destOrd="0" presId="urn:microsoft.com/office/officeart/2005/8/layout/cycle2"/>
     <dgm:cxn modelId="{43291A52-5CE5-4646-B876-1E91D0240557}" type="presOf" srcId="{DF41F379-5DFC-4FC4-9BFB-1DF27093CFEE}" destId="{95E52CDD-5CBD-440F-8789-867E06F8952D}" srcOrd="0" destOrd="0" presId="urn:microsoft.com/office/officeart/2005/8/layout/cycle2"/>
-    <dgm:cxn modelId="{60657D11-FE8F-416B-9A7F-4F5607208A7B}" type="presOf" srcId="{9894144E-DC6A-4631-9673-7AB251C01CAC}" destId="{3F1807D1-C996-451F-A33B-5043BA33CBBD}" srcOrd="1" destOrd="0" presId="urn:microsoft.com/office/officeart/2005/8/layout/cycle2"/>
-    <dgm:cxn modelId="{DB507B32-6304-4CD9-A7EE-AACF99F3D3D8}" srcId="{AAE08A39-0FE6-480E-8B5D-91A667E7A3A3}" destId="{CE0D4702-D388-40C0-8076-A991F70D28FF}" srcOrd="4" destOrd="0" parTransId="{4C8A6063-C134-4C08-8B9D-2300223C258E}" sibTransId="{DF41F379-5DFC-4FC4-9BFB-1DF27093CFEE}"/>
+    <dgm:cxn modelId="{07260369-38EB-49B6-A497-8E7D6FDEA4E2}" type="presOf" srcId="{76F89345-777D-41C8-9D1A-01CAFB3DFB58}" destId="{7D4A3DE1-7925-4473-90E8-82139EF6C5E6}" srcOrd="0" destOrd="0" presId="urn:microsoft.com/office/officeart/2005/8/layout/cycle2"/>
     <dgm:cxn modelId="{F6AE9FDE-FAFE-4FF1-9F54-3F38E34060A8}" type="presOf" srcId="{8F0C8048-1D51-4B80-B882-DEBA6EE16DB5}" destId="{3C606DDE-069E-4BCA-9BEA-77E080AC0B9D}" srcOrd="0" destOrd="0" presId="urn:microsoft.com/office/officeart/2005/8/layout/cycle2"/>
+    <dgm:cxn modelId="{64F801DC-CB87-48A7-9B9E-DC7984F5C537}" type="presOf" srcId="{19CA4319-9CF3-400C-993B-E24E19FCD234}" destId="{89AD7EA4-63E5-484C-BA35-F9E00D60EF36}" srcOrd="1" destOrd="0" presId="urn:microsoft.com/office/officeart/2005/8/layout/cycle2"/>
+    <dgm:cxn modelId="{3DBEAB0C-782B-43EE-9C98-095D72AB4591}" type="presOf" srcId="{76F89345-777D-41C8-9D1A-01CAFB3DFB58}" destId="{902F89BC-FB26-40F8-874F-4FE5A278572D}" srcOrd="1" destOrd="0" presId="urn:microsoft.com/office/officeart/2005/8/layout/cycle2"/>
     <dgm:cxn modelId="{E1EF61BD-A71E-4F6F-9D40-6073C5ED81D4}" srcId="{AAE08A39-0FE6-480E-8B5D-91A667E7A3A3}" destId="{8F0C8048-1D51-4B80-B882-DEBA6EE16DB5}" srcOrd="3" destOrd="0" parTransId="{78B41B09-346A-4B23-88D3-DDC3895A554E}" sibTransId="{437C1A4C-2B88-4A37-A3D0-FD3233D3528E}"/>
-    <dgm:cxn modelId="{F913BE47-F138-431B-A6CE-FCFECACE6423}" type="presOf" srcId="{AAE08A39-0FE6-480E-8B5D-91A667E7A3A3}" destId="{E75AC16E-70A1-49A8-801A-892E2652FABD}" srcOrd="0" destOrd="0" presId="urn:microsoft.com/office/officeart/2005/8/layout/cycle2"/>
+    <dgm:cxn modelId="{0BF03118-7361-44C3-AEB5-5B969C6C2F59}" srcId="{AAE08A39-0FE6-480E-8B5D-91A667E7A3A3}" destId="{11C59A25-0E85-47C9-BDFB-3BF6292074B9}" srcOrd="0" destOrd="0" parTransId="{53B3A422-1D0B-4145-9A92-DE7DB0FDCC71}" sibTransId="{9894144E-DC6A-4631-9673-7AB251C01CAC}"/>
+    <dgm:cxn modelId="{51144C0C-2170-465F-9D35-FD0C7EEFA826}" type="presOf" srcId="{CE0D4702-D388-40C0-8076-A991F70D28FF}" destId="{2945A799-A996-4DE5-9F99-D5E60B463C7E}" srcOrd="0" destOrd="0" presId="urn:microsoft.com/office/officeart/2005/8/layout/cycle2"/>
+    <dgm:cxn modelId="{B18B7106-A266-4D47-9C3C-98B42DDFA069}" type="presOf" srcId="{9C57AC41-64A4-4D82-90C1-95B96355907A}" destId="{48F8822F-386C-43C0-9E5C-70789A667841}" srcOrd="0" destOrd="0" presId="urn:microsoft.com/office/officeart/2005/8/layout/cycle2"/>
+    <dgm:cxn modelId="{2F62135F-6B50-447E-B0AA-8295B9134892}" type="presOf" srcId="{5A2FA1DD-F52A-440D-AE10-029D0014C8E6}" destId="{64E59318-03A5-4ADF-89E8-4666FE5C0FA4}" srcOrd="0" destOrd="0" presId="urn:microsoft.com/office/officeart/2005/8/layout/cycle2"/>
+    <dgm:cxn modelId="{B0DE5351-366C-4F56-8F19-C9F975168966}" type="presOf" srcId="{DF41F379-5DFC-4FC4-9BFB-1DF27093CFEE}" destId="{DF5750C1-B28A-4633-9847-66B8C7820F70}" srcOrd="1" destOrd="0" presId="urn:microsoft.com/office/officeart/2005/8/layout/cycle2"/>
+    <dgm:cxn modelId="{D2D59257-B2BB-43A2-AF57-423BF3B1AA4C}" srcId="{AAE08A39-0FE6-480E-8B5D-91A667E7A3A3}" destId="{5A2FA1DD-F52A-440D-AE10-029D0014C8E6}" srcOrd="2" destOrd="0" parTransId="{F3F511B1-5E6D-44E8-B968-CA56AEFC7972}" sibTransId="{19CA4319-9CF3-400C-993B-E24E19FCD234}"/>
+    <dgm:cxn modelId="{E35C4A74-DF0D-43DD-BFD5-803361229187}" type="presOf" srcId="{19CA4319-9CF3-400C-993B-E24E19FCD234}" destId="{DF82FA4D-0758-40A9-9376-EB2279D39919}" srcOrd="0" destOrd="0" presId="urn:microsoft.com/office/officeart/2005/8/layout/cycle2"/>
     <dgm:cxn modelId="{37B81AF5-08E0-4B88-9E41-537D65BA59AE}" type="presOf" srcId="{9894144E-DC6A-4631-9673-7AB251C01CAC}" destId="{F1734059-BFC6-4684-8907-2690EB0058B8}" srcOrd="0" destOrd="0" presId="urn:microsoft.com/office/officeart/2005/8/layout/cycle2"/>
-    <dgm:cxn modelId="{D8A59F9C-EA18-4DA2-89D4-A815656F37A1}" type="presOf" srcId="{11C59A25-0E85-47C9-BDFB-3BF6292074B9}" destId="{EC10A80E-772B-46EF-BE6A-C4B7344749AC}" srcOrd="0" destOrd="0" presId="urn:microsoft.com/office/officeart/2005/8/layout/cycle2"/>
-    <dgm:cxn modelId="{07260369-38EB-49B6-A497-8E7D6FDEA4E2}" type="presOf" srcId="{76F89345-777D-41C8-9D1A-01CAFB3DFB58}" destId="{7D4A3DE1-7925-4473-90E8-82139EF6C5E6}" srcOrd="0" destOrd="0" presId="urn:microsoft.com/office/officeart/2005/8/layout/cycle2"/>
-    <dgm:cxn modelId="{51144C0C-2170-465F-9D35-FD0C7EEFA826}" type="presOf" srcId="{CE0D4702-D388-40C0-8076-A991F70D28FF}" destId="{2945A799-A996-4DE5-9F99-D5E60B463C7E}" srcOrd="0" destOrd="0" presId="urn:microsoft.com/office/officeart/2005/8/layout/cycle2"/>
-    <dgm:cxn modelId="{64F801DC-CB87-48A7-9B9E-DC7984F5C537}" type="presOf" srcId="{19CA4319-9CF3-400C-993B-E24E19FCD234}" destId="{89AD7EA4-63E5-484C-BA35-F9E00D60EF36}" srcOrd="1" destOrd="0" presId="urn:microsoft.com/office/officeart/2005/8/layout/cycle2"/>
-    <dgm:cxn modelId="{0BF03118-7361-44C3-AEB5-5B969C6C2F59}" srcId="{AAE08A39-0FE6-480E-8B5D-91A667E7A3A3}" destId="{11C59A25-0E85-47C9-BDFB-3BF6292074B9}" srcOrd="0" destOrd="0" parTransId="{53B3A422-1D0B-4145-9A92-DE7DB0FDCC71}" sibTransId="{9894144E-DC6A-4631-9673-7AB251C01CAC}"/>
-    <dgm:cxn modelId="{E35C4A74-DF0D-43DD-BFD5-803361229187}" type="presOf" srcId="{19CA4319-9CF3-400C-993B-E24E19FCD234}" destId="{DF82FA4D-0758-40A9-9376-EB2279D39919}" srcOrd="0" destOrd="0" presId="urn:microsoft.com/office/officeart/2005/8/layout/cycle2"/>
-    <dgm:cxn modelId="{3DBEAB0C-782B-43EE-9C98-095D72AB4591}" type="presOf" srcId="{76F89345-777D-41C8-9D1A-01CAFB3DFB58}" destId="{902F89BC-FB26-40F8-874F-4FE5A278572D}" srcOrd="1" destOrd="0" presId="urn:microsoft.com/office/officeart/2005/8/layout/cycle2"/>
-    <dgm:cxn modelId="{2F62135F-6B50-447E-B0AA-8295B9134892}" type="presOf" srcId="{5A2FA1DD-F52A-440D-AE10-029D0014C8E6}" destId="{64E59318-03A5-4ADF-89E8-4666FE5C0FA4}" srcOrd="0" destOrd="0" presId="urn:microsoft.com/office/officeart/2005/8/layout/cycle2"/>
     <dgm:cxn modelId="{1760DC67-3060-45F6-B690-7E02D54FCD89}" srcId="{AAE08A39-0FE6-480E-8B5D-91A667E7A3A3}" destId="{9C57AC41-64A4-4D82-90C1-95B96355907A}" srcOrd="1" destOrd="0" parTransId="{B2DDDC4D-B6B5-4079-ABDD-70EB622B3B51}" sibTransId="{76F89345-777D-41C8-9D1A-01CAFB3DFB58}"/>
-    <dgm:cxn modelId="{B18B7106-A266-4D47-9C3C-98B42DDFA069}" type="presOf" srcId="{9C57AC41-64A4-4D82-90C1-95B96355907A}" destId="{48F8822F-386C-43C0-9E5C-70789A667841}" srcOrd="0" destOrd="0" presId="urn:microsoft.com/office/officeart/2005/8/layout/cycle2"/>
-    <dgm:cxn modelId="{CD79ECCE-87DA-4633-AEE5-2459E062DE18}" type="presOf" srcId="{437C1A4C-2B88-4A37-A3D0-FD3233D3528E}" destId="{B0516254-1B93-45EE-B904-E617DCF2BD7C}" srcOrd="0" destOrd="0" presId="urn:microsoft.com/office/officeart/2005/8/layout/cycle2"/>
-    <dgm:cxn modelId="{B0DE5351-366C-4F56-8F19-C9F975168966}" type="presOf" srcId="{DF41F379-5DFC-4FC4-9BFB-1DF27093CFEE}" destId="{DF5750C1-B28A-4633-9847-66B8C7820F70}" srcOrd="1" destOrd="0" presId="urn:microsoft.com/office/officeart/2005/8/layout/cycle2"/>
-    <dgm:cxn modelId="{1E22A37F-FE64-42A2-A54C-491ABC0D021F}" type="presOf" srcId="{437C1A4C-2B88-4A37-A3D0-FD3233D3528E}" destId="{AED8B602-FF1B-49C0-A922-715ABF34C787}" srcOrd="1" destOrd="0" presId="urn:microsoft.com/office/officeart/2005/8/layout/cycle2"/>
-    <dgm:cxn modelId="{D2D59257-B2BB-43A2-AF57-423BF3B1AA4C}" srcId="{AAE08A39-0FE6-480E-8B5D-91A667E7A3A3}" destId="{5A2FA1DD-F52A-440D-AE10-029D0014C8E6}" srcOrd="2" destOrd="0" parTransId="{F3F511B1-5E6D-44E8-B968-CA56AEFC7972}" sibTransId="{19CA4319-9CF3-400C-993B-E24E19FCD234}"/>
     <dgm:cxn modelId="{77BC0E56-D4D9-483A-9989-D671349C1FD3}" type="presParOf" srcId="{E75AC16E-70A1-49A8-801A-892E2652FABD}" destId="{EC10A80E-772B-46EF-BE6A-C4B7344749AC}" srcOrd="0" destOrd="0" presId="urn:microsoft.com/office/officeart/2005/8/layout/cycle2"/>
     <dgm:cxn modelId="{C2796A89-96F9-4DF5-A75C-F76823E5A984}" type="presParOf" srcId="{E75AC16E-70A1-49A8-801A-892E2652FABD}" destId="{F1734059-BFC6-4684-8907-2690EB0058B8}" srcOrd="1" destOrd="0" presId="urn:microsoft.com/office/officeart/2005/8/layout/cycle2"/>
     <dgm:cxn modelId="{80A7996F-6612-4CC0-9D6C-4ED8EDB6CB0C}" type="presParOf" srcId="{F1734059-BFC6-4684-8907-2690EB0058B8}" destId="{3F1807D1-C996-451F-A33B-5043BA33CBBD}" srcOrd="0" destOrd="0" presId="urn:microsoft.com/office/officeart/2005/8/layout/cycle2"/>
@@ -3848,7 +3951,7 @@
           <a:p>
             <a:fld id="{F7AFFB9B-9FB8-469E-96F9-4D32314110B6}" type="datetimeFigureOut">
               <a:rPr lang="en-US" dirty="0"/>
-              <a:t>9/7/2020</a:t>
+              <a:t>9/8/2020</a:t>
             </a:fld>
             <a:endParaRPr lang="en-US" dirty="0"/>
           </a:p>
@@ -4176,7 +4279,7 @@
           <a:p>
             <a:fld id="{341D2AC3-6A0B-4169-B1EA-E3AE8B351BDD}" type="datetimeFigureOut">
               <a:rPr lang="en-US" dirty="0"/>
-              <a:t>9/7/2020</a:t>
+              <a:t>9/8/2020</a:t>
             </a:fld>
             <a:endParaRPr lang="en-US" dirty="0"/>
           </a:p>
@@ -4367,7 +4470,7 @@
           <a:p>
             <a:fld id="{DD4B9363-8B87-41B7-9F8E-64519CBB8F34}" type="datetimeFigureOut">
               <a:rPr lang="en-US" dirty="0"/>
-              <a:t>9/7/2020</a:t>
+              <a:t>9/8/2020</a:t>
             </a:fld>
             <a:endParaRPr lang="en-US" dirty="0"/>
           </a:p>
@@ -4632,7 +4735,7 @@
           <a:p>
             <a:fld id="{EAEF5746-5284-4951-9F37-7AE924EDBCB7}" type="datetimeFigureOut">
               <a:rPr lang="en-US" dirty="0"/>
-              <a:t>9/7/2020</a:t>
+              <a:t>9/8/2020</a:t>
             </a:fld>
             <a:endParaRPr lang="en-US" dirty="0"/>
           </a:p>
@@ -5055,7 +5158,7 @@
           <a:p>
             <a:fld id="{02398B29-7265-4A65-A2A4-6703C057B7C1}" type="datetimeFigureOut">
               <a:rPr lang="en-US" dirty="0"/>
-              <a:t>9/7/2020</a:t>
+              <a:t>9/8/2020</a:t>
             </a:fld>
             <a:endParaRPr lang="en-US" dirty="0"/>
           </a:p>
@@ -5600,7 +5703,7 @@
           <a:p>
             <a:fld id="{28FBA082-94DF-4C4B-A041-6624924AB0A8}" type="datetimeFigureOut">
               <a:rPr lang="en-US" dirty="0"/>
-              <a:t>9/7/2020</a:t>
+              <a:t>9/8/2020</a:t>
             </a:fld>
             <a:endParaRPr lang="en-US" dirty="0"/>
           </a:p>
@@ -6385,7 +6488,7 @@
           <a:p>
             <a:fld id="{B27686C4-3AB5-4E0C-86CA-FB108C350AA9}" type="datetimeFigureOut">
               <a:rPr lang="en-US" dirty="0"/>
-              <a:t>9/7/2020</a:t>
+              <a:t>9/8/2020</a:t>
             </a:fld>
             <a:endParaRPr lang="en-US" dirty="0"/>
           </a:p>
@@ -6559,7 +6662,7 @@
           <a:p>
             <a:fld id="{49FF1211-4E0C-4AB3-B04F-585959BDAFE8}" type="datetimeFigureOut">
               <a:rPr lang="en-US" dirty="0"/>
-              <a:t>9/7/2020</a:t>
+              <a:t>9/8/2020</a:t>
             </a:fld>
             <a:endParaRPr lang="en-US" dirty="0"/>
           </a:p>
@@ -6738,7 +6841,7 @@
           <a:p>
             <a:fld id="{28BDECAF-D3BE-4069-9C78-642ECCD01477}" type="datetimeFigureOut">
               <a:rPr lang="en-US" dirty="0"/>
-              <a:t>9/7/2020</a:t>
+              <a:t>9/8/2020</a:t>
             </a:fld>
             <a:endParaRPr lang="en-US" dirty="0"/>
           </a:p>
@@ -6908,7 +7011,7 @@
           <a:p>
             <a:fld id="{8EFBDC27-E420-4878-9EE6-7B9656D6442A}" type="datetimeFigureOut">
               <a:rPr lang="en-US" dirty="0"/>
-              <a:t>9/7/2020</a:t>
+              <a:t>9/8/2020</a:t>
             </a:fld>
             <a:endParaRPr lang="en-US" dirty="0"/>
           </a:p>
@@ -7153,7 +7256,7 @@
           <a:p>
             <a:fld id="{0F7F47CF-67C9-420C-80A5-E2069FF0C2DF}" type="datetimeFigureOut">
               <a:rPr lang="en-US" dirty="0"/>
-              <a:t>9/7/2020</a:t>
+              <a:t>9/8/2020</a:t>
             </a:fld>
             <a:endParaRPr lang="en-US" dirty="0"/>
           </a:p>
@@ -7385,7 +7488,7 @@
           <a:p>
             <a:fld id="{AE22DC73-F065-42F5-A9F2-D90B2E42A0B3}" type="datetimeFigureOut">
               <a:rPr lang="en-US" dirty="0"/>
-              <a:t>9/7/2020</a:t>
+              <a:t>9/8/2020</a:t>
             </a:fld>
             <a:endParaRPr lang="en-US" dirty="0"/>
           </a:p>
@@ -7765,7 +7868,7 @@
           <a:p>
             <a:fld id="{76BEA702-9B29-41CC-9BCC-3DF8A0D379FE}" type="datetimeFigureOut">
               <a:rPr lang="en-US" dirty="0"/>
-              <a:t>9/7/2020</a:t>
+              <a:t>9/8/2020</a:t>
             </a:fld>
             <a:endParaRPr lang="en-US" dirty="0"/>
           </a:p>
@@ -7878,7 +7981,7 @@
           <a:p>
             <a:fld id="{097649AC-CB8F-4FF1-9A34-5861C74DD0A7}" type="datetimeFigureOut">
               <a:rPr lang="en-US" dirty="0"/>
-              <a:t>9/7/2020</a:t>
+              <a:t>9/8/2020</a:t>
             </a:fld>
             <a:endParaRPr lang="en-US" dirty="0"/>
           </a:p>
@@ -7968,7 +8071,7 @@
           <a:p>
             <a:fld id="{3EC5CECA-2D3A-4680-9B49-752200DE467C}" type="datetimeFigureOut">
               <a:rPr lang="en-US" dirty="0"/>
-              <a:t>9/7/2020</a:t>
+              <a:t>9/8/2020</a:t>
             </a:fld>
             <a:endParaRPr lang="en-US" dirty="0"/>
           </a:p>
@@ -8216,7 +8319,7 @@
           <a:p>
             <a:fld id="{50C3BFE2-83B7-4B0A-B9D3-AB28331082B3}" type="datetimeFigureOut">
               <a:rPr lang="en-US" dirty="0"/>
-              <a:t>9/7/2020</a:t>
+              <a:t>9/8/2020</a:t>
             </a:fld>
             <a:endParaRPr lang="en-US" dirty="0"/>
           </a:p>
@@ -8480,7 +8583,7 @@
           <a:p>
             <a:fld id="{12EF78E3-FDA3-4D28-AAA2-0B81F349A39D}" type="datetimeFigureOut">
               <a:rPr lang="en-US" dirty="0"/>
-              <a:t>9/7/2020</a:t>
+              <a:t>9/8/2020</a:t>
             </a:fld>
             <a:endParaRPr lang="en-US" dirty="0"/>
           </a:p>
@@ -8878,7 +8981,7 @@
           <a:p>
             <a:fld id="{C35BB1C6-BF8F-4481-8AB2-603A1C8A906A}" type="datetimeFigureOut">
               <a:rPr lang="en-US" dirty="0"/>
-              <a:t>9/7/2020</a:t>
+              <a:t>9/8/2020</a:t>
             </a:fld>
             <a:endParaRPr lang="en-US" dirty="0"/>
           </a:p>
@@ -9416,8 +9519,8 @@
         </p:nvSpPr>
         <p:spPr>
           <a:xfrm rot="21397813">
-            <a:off x="4993178" y="4655127"/>
-            <a:ext cx="5968301" cy="1219463"/>
+            <a:off x="4993178" y="4803193"/>
+            <a:ext cx="5968301" cy="923330"/>
           </a:xfrm>
           <a:prstGeom prst="rect">
             <a:avLst/>
@@ -9509,10 +9612,16 @@
                   <a:schemeClr val="bg1"/>
                 </a:solidFill>
               </a:rPr>
-              <a:t>戴玉佩老師、顏怡宏老師、吳修福老師</a:t>
-            </a:r>
-          </a:p>
-          <a:p>
+              <a:t>戴玉佩老師、顏怡宏</a:t>
+            </a:r>
+            <a:r>
+              <a:rPr lang="zh-TW" altLang="en-US" dirty="0" smtClean="0">
+                <a:solidFill>
+                  <a:schemeClr val="bg1"/>
+                </a:solidFill>
+              </a:rPr>
+              <a:t>老師</a:t>
+            </a:r>
             <a:endParaRPr lang="zh-TW" altLang="en-US" dirty="0"/>
           </a:p>
         </p:txBody>
@@ -9835,9 +9944,90 @@
   <p:timing>
     <p:tnLst>
       <p:par>
-        <p:cTn id="1" dur="indefinite" restart="never" nodeType="tmRoot"/>
+        <p:cTn id="1" dur="indefinite" restart="never" nodeType="tmRoot">
+          <p:childTnLst>
+            <p:seq concurrent="1" nextAc="seek">
+              <p:cTn id="2" dur="indefinite" nodeType="mainSeq">
+                <p:childTnLst>
+                  <p:par>
+                    <p:cTn id="3" fill="hold">
+                      <p:stCondLst>
+                        <p:cond delay="indefinite"/>
+                      </p:stCondLst>
+                      <p:childTnLst>
+                        <p:par>
+                          <p:cTn id="4" fill="hold">
+                            <p:stCondLst>
+                              <p:cond delay="0"/>
+                            </p:stCondLst>
+                            <p:childTnLst>
+                              <p:par>
+                                <p:cTn id="5" presetID="21" presetClass="entr" presetSubtype="1" fill="hold" grpId="0" nodeType="clickEffect">
+                                  <p:stCondLst>
+                                    <p:cond delay="0"/>
+                                  </p:stCondLst>
+                                  <p:childTnLst>
+                                    <p:set>
+                                      <p:cBhvr>
+                                        <p:cTn id="6" dur="1" fill="hold">
+                                          <p:stCondLst>
+                                            <p:cond delay="0"/>
+                                          </p:stCondLst>
+                                        </p:cTn>
+                                        <p:tgtEl>
+                                          <p:spTgt spid="4"/>
+                                        </p:tgtEl>
+                                        <p:attrNameLst>
+                                          <p:attrName>style.visibility</p:attrName>
+                                        </p:attrNameLst>
+                                      </p:cBhvr>
+                                      <p:to>
+                                        <p:strVal val="visible"/>
+                                      </p:to>
+                                    </p:set>
+                                    <p:animEffect transition="in" filter="wheel(1)">
+                                      <p:cBhvr>
+                                        <p:cTn id="7" dur="2000"/>
+                                        <p:tgtEl>
+                                          <p:spTgt spid="4"/>
+                                        </p:tgtEl>
+                                      </p:cBhvr>
+                                    </p:animEffect>
+                                  </p:childTnLst>
+                                </p:cTn>
+                              </p:par>
+                            </p:childTnLst>
+                          </p:cTn>
+                        </p:par>
+                      </p:childTnLst>
+                    </p:cTn>
+                  </p:par>
+                </p:childTnLst>
+              </p:cTn>
+              <p:prevCondLst>
+                <p:cond evt="onPrev" delay="0">
+                  <p:tgtEl>
+                    <p:sldTgt/>
+                  </p:tgtEl>
+                </p:cond>
+              </p:prevCondLst>
+              <p:nextCondLst>
+                <p:cond evt="onNext" delay="0">
+                  <p:tgtEl>
+                    <p:sldTgt/>
+                  </p:tgtEl>
+                </p:cond>
+              </p:nextCondLst>
+            </p:seq>
+          </p:childTnLst>
+        </p:cTn>
       </p:par>
     </p:tnLst>
+    <p:bldLst>
+      <p:bldGraphic spid="4" grpId="0">
+        <p:bldAsOne/>
+      </p:bldGraphic>
+    </p:bldLst>
   </p:timing>
 </p:sld>
 </file>
@@ -10405,7 +10595,480 @@
   <p:timing>
     <p:tnLst>
       <p:par>
-        <p:cTn id="1" dur="indefinite" restart="never" nodeType="tmRoot"/>
+        <p:cTn id="1" dur="indefinite" restart="never" nodeType="tmRoot">
+          <p:childTnLst>
+            <p:seq concurrent="1" nextAc="seek">
+              <p:cTn id="2" dur="indefinite" nodeType="mainSeq">
+                <p:childTnLst>
+                  <p:par>
+                    <p:cTn id="3" fill="hold">
+                      <p:stCondLst>
+                        <p:cond delay="indefinite"/>
+                      </p:stCondLst>
+                      <p:childTnLst>
+                        <p:par>
+                          <p:cTn id="4" fill="hold">
+                            <p:stCondLst>
+                              <p:cond delay="0"/>
+                            </p:stCondLst>
+                            <p:childTnLst>
+                              <p:par>
+                                <p:cTn id="5" presetID="10" presetClass="entr" presetSubtype="0" fill="hold" nodeType="clickEffect">
+                                  <p:stCondLst>
+                                    <p:cond delay="0"/>
+                                  </p:stCondLst>
+                                  <p:childTnLst>
+                                    <p:set>
+                                      <p:cBhvr>
+                                        <p:cTn id="6" dur="1" fill="hold">
+                                          <p:stCondLst>
+                                            <p:cond delay="0"/>
+                                          </p:stCondLst>
+                                        </p:cTn>
+                                        <p:tgtEl>
+                                          <p:spTgt spid="13"/>
+                                        </p:tgtEl>
+                                        <p:attrNameLst>
+                                          <p:attrName>style.visibility</p:attrName>
+                                        </p:attrNameLst>
+                                      </p:cBhvr>
+                                      <p:to>
+                                        <p:strVal val="visible"/>
+                                      </p:to>
+                                    </p:set>
+                                    <p:animEffect transition="in" filter="fade">
+                                      <p:cBhvr>
+                                        <p:cTn id="7" dur="500"/>
+                                        <p:tgtEl>
+                                          <p:spTgt spid="13"/>
+                                        </p:tgtEl>
+                                      </p:cBhvr>
+                                    </p:animEffect>
+                                  </p:childTnLst>
+                                </p:cTn>
+                              </p:par>
+                              <p:par>
+                                <p:cTn id="8" presetID="10" presetClass="entr" presetSubtype="0" fill="hold" nodeType="withEffect">
+                                  <p:stCondLst>
+                                    <p:cond delay="0"/>
+                                  </p:stCondLst>
+                                  <p:childTnLst>
+                                    <p:set>
+                                      <p:cBhvr>
+                                        <p:cTn id="9" dur="1" fill="hold">
+                                          <p:stCondLst>
+                                            <p:cond delay="0"/>
+                                          </p:stCondLst>
+                                        </p:cTn>
+                                        <p:tgtEl>
+                                          <p:spTgt spid="12"/>
+                                        </p:tgtEl>
+                                        <p:attrNameLst>
+                                          <p:attrName>style.visibility</p:attrName>
+                                        </p:attrNameLst>
+                                      </p:cBhvr>
+                                      <p:to>
+                                        <p:strVal val="visible"/>
+                                      </p:to>
+                                    </p:set>
+                                    <p:animEffect transition="in" filter="fade">
+                                      <p:cBhvr>
+                                        <p:cTn id="10" dur="500"/>
+                                        <p:tgtEl>
+                                          <p:spTgt spid="12"/>
+                                        </p:tgtEl>
+                                      </p:cBhvr>
+                                    </p:animEffect>
+                                  </p:childTnLst>
+                                </p:cTn>
+                              </p:par>
+                              <p:par>
+                                <p:cTn id="11" presetID="10" presetClass="entr" presetSubtype="0" fill="hold" nodeType="withEffect">
+                                  <p:stCondLst>
+                                    <p:cond delay="0"/>
+                                  </p:stCondLst>
+                                  <p:childTnLst>
+                                    <p:set>
+                                      <p:cBhvr>
+                                        <p:cTn id="12" dur="1" fill="hold">
+                                          <p:stCondLst>
+                                            <p:cond delay="0"/>
+                                          </p:stCondLst>
+                                        </p:cTn>
+                                        <p:tgtEl>
+                                          <p:spTgt spid="15"/>
+                                        </p:tgtEl>
+                                        <p:attrNameLst>
+                                          <p:attrName>style.visibility</p:attrName>
+                                        </p:attrNameLst>
+                                      </p:cBhvr>
+                                      <p:to>
+                                        <p:strVal val="visible"/>
+                                      </p:to>
+                                    </p:set>
+                                    <p:animEffect transition="in" filter="fade">
+                                      <p:cBhvr>
+                                        <p:cTn id="13" dur="500"/>
+                                        <p:tgtEl>
+                                          <p:spTgt spid="15"/>
+                                        </p:tgtEl>
+                                      </p:cBhvr>
+                                    </p:animEffect>
+                                  </p:childTnLst>
+                                </p:cTn>
+                              </p:par>
+                              <p:par>
+                                <p:cTn id="14" presetID="10" presetClass="entr" presetSubtype="0" fill="hold" nodeType="withEffect">
+                                  <p:stCondLst>
+                                    <p:cond delay="0"/>
+                                  </p:stCondLst>
+                                  <p:childTnLst>
+                                    <p:set>
+                                      <p:cBhvr>
+                                        <p:cTn id="15" dur="1" fill="hold">
+                                          <p:stCondLst>
+                                            <p:cond delay="0"/>
+                                          </p:stCondLst>
+                                        </p:cTn>
+                                        <p:tgtEl>
+                                          <p:spTgt spid="14"/>
+                                        </p:tgtEl>
+                                        <p:attrNameLst>
+                                          <p:attrName>style.visibility</p:attrName>
+                                        </p:attrNameLst>
+                                      </p:cBhvr>
+                                      <p:to>
+                                        <p:strVal val="visible"/>
+                                      </p:to>
+                                    </p:set>
+                                    <p:animEffect transition="in" filter="fade">
+                                      <p:cBhvr>
+                                        <p:cTn id="16" dur="500"/>
+                                        <p:tgtEl>
+                                          <p:spTgt spid="14"/>
+                                        </p:tgtEl>
+                                      </p:cBhvr>
+                                    </p:animEffect>
+                                  </p:childTnLst>
+                                </p:cTn>
+                              </p:par>
+                            </p:childTnLst>
+                          </p:cTn>
+                        </p:par>
+                      </p:childTnLst>
+                    </p:cTn>
+                  </p:par>
+                  <p:par>
+                    <p:cTn id="17" fill="hold">
+                      <p:stCondLst>
+                        <p:cond delay="indefinite"/>
+                      </p:stCondLst>
+                      <p:childTnLst>
+                        <p:par>
+                          <p:cTn id="18" fill="hold">
+                            <p:stCondLst>
+                              <p:cond delay="0"/>
+                            </p:stCondLst>
+                            <p:childTnLst>
+                              <p:par>
+                                <p:cTn id="19" presetID="1" presetClass="entr" presetSubtype="0" fill="hold" nodeType="clickEffect">
+                                  <p:stCondLst>
+                                    <p:cond delay="0"/>
+                                  </p:stCondLst>
+                                  <p:childTnLst>
+                                    <p:set>
+                                      <p:cBhvr>
+                                        <p:cTn id="20" dur="1" fill="hold">
+                                          <p:stCondLst>
+                                            <p:cond delay="0"/>
+                                          </p:stCondLst>
+                                        </p:cTn>
+                                        <p:tgtEl>
+                                          <p:spTgt spid="16"/>
+                                        </p:tgtEl>
+                                        <p:attrNameLst>
+                                          <p:attrName>style.visibility</p:attrName>
+                                        </p:attrNameLst>
+                                      </p:cBhvr>
+                                      <p:to>
+                                        <p:strVal val="visible"/>
+                                      </p:to>
+                                    </p:set>
+                                  </p:childTnLst>
+                                </p:cTn>
+                              </p:par>
+                              <p:par>
+                                <p:cTn id="21" presetID="1" presetClass="entr" presetSubtype="0" fill="hold" nodeType="withEffect">
+                                  <p:stCondLst>
+                                    <p:cond delay="0"/>
+                                  </p:stCondLst>
+                                  <p:childTnLst>
+                                    <p:set>
+                                      <p:cBhvr>
+                                        <p:cTn id="22" dur="1" fill="hold">
+                                          <p:stCondLst>
+                                            <p:cond delay="0"/>
+                                          </p:stCondLst>
+                                        </p:cTn>
+                                        <p:tgtEl>
+                                          <p:spTgt spid="18"/>
+                                        </p:tgtEl>
+                                        <p:attrNameLst>
+                                          <p:attrName>style.visibility</p:attrName>
+                                        </p:attrNameLst>
+                                      </p:cBhvr>
+                                      <p:to>
+                                        <p:strVal val="visible"/>
+                                      </p:to>
+                                    </p:set>
+                                  </p:childTnLst>
+                                </p:cTn>
+                              </p:par>
+                              <p:par>
+                                <p:cTn id="23" presetID="1" presetClass="entr" presetSubtype="0" fill="hold" nodeType="withEffect">
+                                  <p:stCondLst>
+                                    <p:cond delay="0"/>
+                                  </p:stCondLst>
+                                  <p:childTnLst>
+                                    <p:set>
+                                      <p:cBhvr>
+                                        <p:cTn id="24" dur="1" fill="hold">
+                                          <p:stCondLst>
+                                            <p:cond delay="0"/>
+                                          </p:stCondLst>
+                                        </p:cTn>
+                                        <p:tgtEl>
+                                          <p:spTgt spid="17"/>
+                                        </p:tgtEl>
+                                        <p:attrNameLst>
+                                          <p:attrName>style.visibility</p:attrName>
+                                        </p:attrNameLst>
+                                      </p:cBhvr>
+                                      <p:to>
+                                        <p:strVal val="visible"/>
+                                      </p:to>
+                                    </p:set>
+                                  </p:childTnLst>
+                                </p:cTn>
+                              </p:par>
+                            </p:childTnLst>
+                          </p:cTn>
+                        </p:par>
+                      </p:childTnLst>
+                    </p:cTn>
+                  </p:par>
+                  <p:par>
+                    <p:cTn id="25" fill="hold">
+                      <p:stCondLst>
+                        <p:cond delay="indefinite"/>
+                      </p:stCondLst>
+                      <p:childTnLst>
+                        <p:par>
+                          <p:cTn id="26" fill="hold">
+                            <p:stCondLst>
+                              <p:cond delay="0"/>
+                            </p:stCondLst>
+                            <p:childTnLst>
+                              <p:par>
+                                <p:cTn id="27" presetID="10" presetClass="entr" presetSubtype="0" fill="hold" nodeType="clickEffect">
+                                  <p:stCondLst>
+                                    <p:cond delay="0"/>
+                                  </p:stCondLst>
+                                  <p:childTnLst>
+                                    <p:set>
+                                      <p:cBhvr>
+                                        <p:cTn id="28" dur="1" fill="hold">
+                                          <p:stCondLst>
+                                            <p:cond delay="0"/>
+                                          </p:stCondLst>
+                                        </p:cTn>
+                                        <p:tgtEl>
+                                          <p:spTgt spid="19"/>
+                                        </p:tgtEl>
+                                        <p:attrNameLst>
+                                          <p:attrName>style.visibility</p:attrName>
+                                        </p:attrNameLst>
+                                      </p:cBhvr>
+                                      <p:to>
+                                        <p:strVal val="visible"/>
+                                      </p:to>
+                                    </p:set>
+                                    <p:animEffect transition="in" filter="fade">
+                                      <p:cBhvr>
+                                        <p:cTn id="29" dur="500"/>
+                                        <p:tgtEl>
+                                          <p:spTgt spid="19"/>
+                                        </p:tgtEl>
+                                      </p:cBhvr>
+                                    </p:animEffect>
+                                  </p:childTnLst>
+                                </p:cTn>
+                              </p:par>
+                              <p:par>
+                                <p:cTn id="30" presetID="10" presetClass="entr" presetSubtype="0" fill="hold" nodeType="withEffect">
+                                  <p:stCondLst>
+                                    <p:cond delay="0"/>
+                                  </p:stCondLst>
+                                  <p:childTnLst>
+                                    <p:set>
+                                      <p:cBhvr>
+                                        <p:cTn id="31" dur="1" fill="hold">
+                                          <p:stCondLst>
+                                            <p:cond delay="0"/>
+                                          </p:stCondLst>
+                                        </p:cTn>
+                                        <p:tgtEl>
+                                          <p:spTgt spid="22"/>
+                                        </p:tgtEl>
+                                        <p:attrNameLst>
+                                          <p:attrName>style.visibility</p:attrName>
+                                        </p:attrNameLst>
+                                      </p:cBhvr>
+                                      <p:to>
+                                        <p:strVal val="visible"/>
+                                      </p:to>
+                                    </p:set>
+                                    <p:animEffect transition="in" filter="fade">
+                                      <p:cBhvr>
+                                        <p:cTn id="32" dur="500"/>
+                                        <p:tgtEl>
+                                          <p:spTgt spid="22"/>
+                                        </p:tgtEl>
+                                      </p:cBhvr>
+                                    </p:animEffect>
+                                  </p:childTnLst>
+                                </p:cTn>
+                              </p:par>
+                              <p:par>
+                                <p:cTn id="33" presetID="10" presetClass="entr" presetSubtype="0" fill="hold" nodeType="withEffect">
+                                  <p:stCondLst>
+                                    <p:cond delay="0"/>
+                                  </p:stCondLst>
+                                  <p:childTnLst>
+                                    <p:set>
+                                      <p:cBhvr>
+                                        <p:cTn id="34" dur="1" fill="hold">
+                                          <p:stCondLst>
+                                            <p:cond delay="0"/>
+                                          </p:stCondLst>
+                                        </p:cTn>
+                                        <p:tgtEl>
+                                          <p:spTgt spid="20"/>
+                                        </p:tgtEl>
+                                        <p:attrNameLst>
+                                          <p:attrName>style.visibility</p:attrName>
+                                        </p:attrNameLst>
+                                      </p:cBhvr>
+                                      <p:to>
+                                        <p:strVal val="visible"/>
+                                      </p:to>
+                                    </p:set>
+                                    <p:animEffect transition="in" filter="fade">
+                                      <p:cBhvr>
+                                        <p:cTn id="35" dur="500"/>
+                                        <p:tgtEl>
+                                          <p:spTgt spid="20"/>
+                                        </p:tgtEl>
+                                      </p:cBhvr>
+                                    </p:animEffect>
+                                  </p:childTnLst>
+                                </p:cTn>
+                              </p:par>
+                              <p:par>
+                                <p:cTn id="36" presetID="10" presetClass="entr" presetSubtype="0" fill="hold" nodeType="withEffect">
+                                  <p:stCondLst>
+                                    <p:cond delay="0"/>
+                                  </p:stCondLst>
+                                  <p:childTnLst>
+                                    <p:set>
+                                      <p:cBhvr>
+                                        <p:cTn id="37" dur="1" fill="hold">
+                                          <p:stCondLst>
+                                            <p:cond delay="0"/>
+                                          </p:stCondLst>
+                                        </p:cTn>
+                                        <p:tgtEl>
+                                          <p:spTgt spid="21"/>
+                                        </p:tgtEl>
+                                        <p:attrNameLst>
+                                          <p:attrName>style.visibility</p:attrName>
+                                        </p:attrNameLst>
+                                      </p:cBhvr>
+                                      <p:to>
+                                        <p:strVal val="visible"/>
+                                      </p:to>
+                                    </p:set>
+                                    <p:animEffect transition="in" filter="fade">
+                                      <p:cBhvr>
+                                        <p:cTn id="38" dur="500"/>
+                                        <p:tgtEl>
+                                          <p:spTgt spid="21"/>
+                                        </p:tgtEl>
+                                      </p:cBhvr>
+                                    </p:animEffect>
+                                  </p:childTnLst>
+                                </p:cTn>
+                              </p:par>
+                              <p:par>
+                                <p:cTn id="39" presetID="10" presetClass="entr" presetSubtype="0" fill="hold" nodeType="withEffect">
+                                  <p:stCondLst>
+                                    <p:cond delay="0"/>
+                                  </p:stCondLst>
+                                  <p:childTnLst>
+                                    <p:set>
+                                      <p:cBhvr>
+                                        <p:cTn id="40" dur="1" fill="hold">
+                                          <p:stCondLst>
+                                            <p:cond delay="0"/>
+                                          </p:stCondLst>
+                                        </p:cTn>
+                                        <p:tgtEl>
+                                          <p:spTgt spid="24"/>
+                                        </p:tgtEl>
+                                        <p:attrNameLst>
+                                          <p:attrName>style.visibility</p:attrName>
+                                        </p:attrNameLst>
+                                      </p:cBhvr>
+                                      <p:to>
+                                        <p:strVal val="visible"/>
+                                      </p:to>
+                                    </p:set>
+                                    <p:animEffect transition="in" filter="fade">
+                                      <p:cBhvr>
+                                        <p:cTn id="41" dur="500"/>
+                                        <p:tgtEl>
+                                          <p:spTgt spid="24"/>
+                                        </p:tgtEl>
+                                      </p:cBhvr>
+                                    </p:animEffect>
+                                  </p:childTnLst>
+                                </p:cTn>
+                              </p:par>
+                            </p:childTnLst>
+                          </p:cTn>
+                        </p:par>
+                      </p:childTnLst>
+                    </p:cTn>
+                  </p:par>
+                </p:childTnLst>
+              </p:cTn>
+              <p:prevCondLst>
+                <p:cond evt="onPrev" delay="0">
+                  <p:tgtEl>
+                    <p:sldTgt/>
+                  </p:tgtEl>
+                </p:cond>
+              </p:prevCondLst>
+              <p:nextCondLst>
+                <p:cond evt="onNext" delay="0">
+                  <p:tgtEl>
+                    <p:sldTgt/>
+                  </p:tgtEl>
+                </p:cond>
+              </p:nextCondLst>
+            </p:seq>
+          </p:childTnLst>
+        </p:cTn>
       </p:par>
     </p:tnLst>
   </p:timing>
@@ -10501,7 +11164,83 @@
   <p:timing>
     <p:tnLst>
       <p:par>
-        <p:cTn id="1" dur="indefinite" restart="never" nodeType="tmRoot"/>
+        <p:cTn id="1" dur="indefinite" restart="never" nodeType="tmRoot">
+          <p:childTnLst>
+            <p:seq concurrent="1" nextAc="seek">
+              <p:cTn id="2" dur="indefinite" nodeType="mainSeq">
+                <p:childTnLst>
+                  <p:par>
+                    <p:cTn id="3" fill="hold">
+                      <p:stCondLst>
+                        <p:cond delay="indefinite"/>
+                      </p:stCondLst>
+                      <p:childTnLst>
+                        <p:par>
+                          <p:cTn id="4" fill="hold">
+                            <p:stCondLst>
+                              <p:cond delay="0"/>
+                            </p:stCondLst>
+                            <p:childTnLst>
+                              <p:par>
+                                <p:cTn id="5" presetID="10" presetClass="entr" presetSubtype="0" fill="hold" nodeType="clickEffect">
+                                  <p:stCondLst>
+                                    <p:cond delay="0"/>
+                                  </p:stCondLst>
+                                  <p:childTnLst>
+                                    <p:set>
+                                      <p:cBhvr>
+                                        <p:cTn id="6" dur="1" fill="hold">
+                                          <p:stCondLst>
+                                            <p:cond delay="0"/>
+                                          </p:stCondLst>
+                                        </p:cTn>
+                                        <p:tgtEl>
+                                          <p:spTgt spid="10"/>
+                                        </p:tgtEl>
+                                        <p:attrNameLst>
+                                          <p:attrName>style.visibility</p:attrName>
+                                        </p:attrNameLst>
+                                      </p:cBhvr>
+                                      <p:to>
+                                        <p:strVal val="visible"/>
+                                      </p:to>
+                                    </p:set>
+                                    <p:animEffect transition="in" filter="fade">
+                                      <p:cBhvr>
+                                        <p:cTn id="7" dur="500"/>
+                                        <p:tgtEl>
+                                          <p:spTgt spid="10"/>
+                                        </p:tgtEl>
+                                      </p:cBhvr>
+                                    </p:animEffect>
+                                  </p:childTnLst>
+                                </p:cTn>
+                              </p:par>
+                            </p:childTnLst>
+                          </p:cTn>
+                        </p:par>
+                      </p:childTnLst>
+                    </p:cTn>
+                  </p:par>
+                </p:childTnLst>
+              </p:cTn>
+              <p:prevCondLst>
+                <p:cond evt="onPrev" delay="0">
+                  <p:tgtEl>
+                    <p:sldTgt/>
+                  </p:tgtEl>
+                </p:cond>
+              </p:prevCondLst>
+              <p:nextCondLst>
+                <p:cond evt="onNext" delay="0">
+                  <p:tgtEl>
+                    <p:sldTgt/>
+                  </p:tgtEl>
+                </p:cond>
+              </p:nextCondLst>
+            </p:seq>
+          </p:childTnLst>
+        </p:cTn>
       </p:par>
     </p:tnLst>
   </p:timing>
@@ -10593,7 +11332,83 @@
   <p:timing>
     <p:tnLst>
       <p:par>
-        <p:cTn id="1" dur="indefinite" restart="never" nodeType="tmRoot"/>
+        <p:cTn id="1" dur="indefinite" restart="never" nodeType="tmRoot">
+          <p:childTnLst>
+            <p:seq concurrent="1" nextAc="seek">
+              <p:cTn id="2" dur="indefinite" nodeType="mainSeq">
+                <p:childTnLst>
+                  <p:par>
+                    <p:cTn id="3" fill="hold">
+                      <p:stCondLst>
+                        <p:cond delay="indefinite"/>
+                      </p:stCondLst>
+                      <p:childTnLst>
+                        <p:par>
+                          <p:cTn id="4" fill="hold">
+                            <p:stCondLst>
+                              <p:cond delay="0"/>
+                            </p:stCondLst>
+                            <p:childTnLst>
+                              <p:par>
+                                <p:cTn id="5" presetID="10" presetClass="entr" presetSubtype="0" fill="hold" nodeType="clickEffect">
+                                  <p:stCondLst>
+                                    <p:cond delay="0"/>
+                                  </p:stCondLst>
+                                  <p:childTnLst>
+                                    <p:set>
+                                      <p:cBhvr>
+                                        <p:cTn id="6" dur="1" fill="hold">
+                                          <p:stCondLst>
+                                            <p:cond delay="0"/>
+                                          </p:stCondLst>
+                                        </p:cTn>
+                                        <p:tgtEl>
+                                          <p:spTgt spid="9"/>
+                                        </p:tgtEl>
+                                        <p:attrNameLst>
+                                          <p:attrName>style.visibility</p:attrName>
+                                        </p:attrNameLst>
+                                      </p:cBhvr>
+                                      <p:to>
+                                        <p:strVal val="visible"/>
+                                      </p:to>
+                                    </p:set>
+                                    <p:animEffect transition="in" filter="fade">
+                                      <p:cBhvr>
+                                        <p:cTn id="7" dur="500"/>
+                                        <p:tgtEl>
+                                          <p:spTgt spid="9"/>
+                                        </p:tgtEl>
+                                      </p:cBhvr>
+                                    </p:animEffect>
+                                  </p:childTnLst>
+                                </p:cTn>
+                              </p:par>
+                            </p:childTnLst>
+                          </p:cTn>
+                        </p:par>
+                      </p:childTnLst>
+                    </p:cTn>
+                  </p:par>
+                </p:childTnLst>
+              </p:cTn>
+              <p:prevCondLst>
+                <p:cond evt="onPrev" delay="0">
+                  <p:tgtEl>
+                    <p:sldTgt/>
+                  </p:tgtEl>
+                </p:cond>
+              </p:prevCondLst>
+              <p:nextCondLst>
+                <p:cond evt="onNext" delay="0">
+                  <p:tgtEl>
+                    <p:sldTgt/>
+                  </p:tgtEl>
+                </p:cond>
+              </p:nextCondLst>
+            </p:seq>
+          </p:childTnLst>
+        </p:cTn>
       </p:par>
     </p:tnLst>
   </p:timing>
@@ -10679,7 +11494,83 @@
   <p:timing>
     <p:tnLst>
       <p:par>
-        <p:cTn id="1" dur="indefinite" restart="never" nodeType="tmRoot"/>
+        <p:cTn id="1" dur="indefinite" restart="never" nodeType="tmRoot">
+          <p:childTnLst>
+            <p:seq concurrent="1" nextAc="seek">
+              <p:cTn id="2" dur="indefinite" nodeType="mainSeq">
+                <p:childTnLst>
+                  <p:par>
+                    <p:cTn id="3" fill="hold">
+                      <p:stCondLst>
+                        <p:cond delay="indefinite"/>
+                      </p:stCondLst>
+                      <p:childTnLst>
+                        <p:par>
+                          <p:cTn id="4" fill="hold">
+                            <p:stCondLst>
+                              <p:cond delay="0"/>
+                            </p:stCondLst>
+                            <p:childTnLst>
+                              <p:par>
+                                <p:cTn id="5" presetID="10" presetClass="entr" presetSubtype="0" fill="hold" nodeType="clickEffect">
+                                  <p:stCondLst>
+                                    <p:cond delay="0"/>
+                                  </p:stCondLst>
+                                  <p:childTnLst>
+                                    <p:set>
+                                      <p:cBhvr>
+                                        <p:cTn id="6" dur="1" fill="hold">
+                                          <p:stCondLst>
+                                            <p:cond delay="0"/>
+                                          </p:stCondLst>
+                                        </p:cTn>
+                                        <p:tgtEl>
+                                          <p:spTgt spid="3"/>
+                                        </p:tgtEl>
+                                        <p:attrNameLst>
+                                          <p:attrName>style.visibility</p:attrName>
+                                        </p:attrNameLst>
+                                      </p:cBhvr>
+                                      <p:to>
+                                        <p:strVal val="visible"/>
+                                      </p:to>
+                                    </p:set>
+                                    <p:animEffect transition="in" filter="fade">
+                                      <p:cBhvr>
+                                        <p:cTn id="7" dur="500"/>
+                                        <p:tgtEl>
+                                          <p:spTgt spid="3"/>
+                                        </p:tgtEl>
+                                      </p:cBhvr>
+                                    </p:animEffect>
+                                  </p:childTnLst>
+                                </p:cTn>
+                              </p:par>
+                            </p:childTnLst>
+                          </p:cTn>
+                        </p:par>
+                      </p:childTnLst>
+                    </p:cTn>
+                  </p:par>
+                </p:childTnLst>
+              </p:cTn>
+              <p:prevCondLst>
+                <p:cond evt="onPrev" delay="0">
+                  <p:tgtEl>
+                    <p:sldTgt/>
+                  </p:tgtEl>
+                </p:cond>
+              </p:prevCondLst>
+              <p:nextCondLst>
+                <p:cond evt="onNext" delay="0">
+                  <p:tgtEl>
+                    <p:sldTgt/>
+                  </p:tgtEl>
+                </p:cond>
+              </p:nextCondLst>
+            </p:seq>
+          </p:childTnLst>
+        </p:cTn>
       </p:par>
     </p:tnLst>
   </p:timing>
@@ -10725,7 +11616,7 @@
         </p:blipFill>
         <p:spPr>
           <a:xfrm>
-            <a:off x="2446341" y="246660"/>
+            <a:off x="2471279" y="193829"/>
             <a:ext cx="6090828" cy="5116576"/>
           </a:xfrm>
           <a:prstGeom prst="rect">
@@ -11012,9 +11903,467 @@
   <p:timing>
     <p:tnLst>
       <p:par>
-        <p:cTn id="1" dur="indefinite" restart="never" nodeType="tmRoot"/>
+        <p:cTn id="1" dur="indefinite" restart="never" nodeType="tmRoot">
+          <p:childTnLst>
+            <p:seq concurrent="1" nextAc="seek">
+              <p:cTn id="2" dur="indefinite" nodeType="mainSeq">
+                <p:childTnLst>
+                  <p:par>
+                    <p:cTn id="3" fill="hold">
+                      <p:stCondLst>
+                        <p:cond delay="indefinite"/>
+                      </p:stCondLst>
+                      <p:childTnLst>
+                        <p:par>
+                          <p:cTn id="4" fill="hold">
+                            <p:stCondLst>
+                              <p:cond delay="0"/>
+                            </p:stCondLst>
+                            <p:childTnLst>
+                              <p:par>
+                                <p:cTn id="5" presetID="10" presetClass="entr" presetSubtype="0" fill="hold" nodeType="clickEffect">
+                                  <p:stCondLst>
+                                    <p:cond delay="0"/>
+                                  </p:stCondLst>
+                                  <p:childTnLst>
+                                    <p:set>
+                                      <p:cBhvr>
+                                        <p:cTn id="6" dur="1" fill="hold">
+                                          <p:stCondLst>
+                                            <p:cond delay="0"/>
+                                          </p:stCondLst>
+                                        </p:cTn>
+                                        <p:tgtEl>
+                                          <p:spTgt spid="16"/>
+                                        </p:tgtEl>
+                                        <p:attrNameLst>
+                                          <p:attrName>style.visibility</p:attrName>
+                                        </p:attrNameLst>
+                                      </p:cBhvr>
+                                      <p:to>
+                                        <p:strVal val="visible"/>
+                                      </p:to>
+                                    </p:set>
+                                    <p:animEffect transition="in" filter="fade">
+                                      <p:cBhvr>
+                                        <p:cTn id="7" dur="500"/>
+                                        <p:tgtEl>
+                                          <p:spTgt spid="16"/>
+                                        </p:tgtEl>
+                                      </p:cBhvr>
+                                    </p:animEffect>
+                                  </p:childTnLst>
+                                </p:cTn>
+                              </p:par>
+                            </p:childTnLst>
+                          </p:cTn>
+                        </p:par>
+                      </p:childTnLst>
+                    </p:cTn>
+                  </p:par>
+                  <p:par>
+                    <p:cTn id="8" fill="hold">
+                      <p:stCondLst>
+                        <p:cond delay="indefinite"/>
+                      </p:stCondLst>
+                      <p:childTnLst>
+                        <p:par>
+                          <p:cTn id="9" fill="hold">
+                            <p:stCondLst>
+                              <p:cond delay="0"/>
+                            </p:stCondLst>
+                            <p:childTnLst>
+                              <p:par>
+                                <p:cTn id="10" presetID="10" presetClass="entr" presetSubtype="0" fill="hold" grpId="0" nodeType="clickEffect">
+                                  <p:stCondLst>
+                                    <p:cond delay="0"/>
+                                  </p:stCondLst>
+                                  <p:childTnLst>
+                                    <p:set>
+                                      <p:cBhvr>
+                                        <p:cTn id="11" dur="1" fill="hold">
+                                          <p:stCondLst>
+                                            <p:cond delay="0"/>
+                                          </p:stCondLst>
+                                        </p:cTn>
+                                        <p:tgtEl>
+                                          <p:spTgt spid="18"/>
+                                        </p:tgtEl>
+                                        <p:attrNameLst>
+                                          <p:attrName>style.visibility</p:attrName>
+                                        </p:attrNameLst>
+                                      </p:cBhvr>
+                                      <p:to>
+                                        <p:strVal val="visible"/>
+                                      </p:to>
+                                    </p:set>
+                                    <p:animEffect transition="in" filter="fade">
+                                      <p:cBhvr>
+                                        <p:cTn id="12" dur="500"/>
+                                        <p:tgtEl>
+                                          <p:spTgt spid="18"/>
+                                        </p:tgtEl>
+                                      </p:cBhvr>
+                                    </p:animEffect>
+                                  </p:childTnLst>
+                                </p:cTn>
+                              </p:par>
+                            </p:childTnLst>
+                          </p:cTn>
+                        </p:par>
+                      </p:childTnLst>
+                    </p:cTn>
+                  </p:par>
+                  <p:par>
+                    <p:cTn id="13" fill="hold">
+                      <p:stCondLst>
+                        <p:cond delay="indefinite"/>
+                      </p:stCondLst>
+                      <p:childTnLst>
+                        <p:par>
+                          <p:cTn id="14" fill="hold">
+                            <p:stCondLst>
+                              <p:cond delay="0"/>
+                            </p:stCondLst>
+                            <p:childTnLst>
+                              <p:par>
+                                <p:cTn id="15" presetID="10" presetClass="entr" presetSubtype="0" fill="hold" grpId="0" nodeType="clickEffect">
+                                  <p:stCondLst>
+                                    <p:cond delay="0"/>
+                                  </p:stCondLst>
+                                  <p:childTnLst>
+                                    <p:set>
+                                      <p:cBhvr>
+                                        <p:cTn id="16" dur="1" fill="hold">
+                                          <p:stCondLst>
+                                            <p:cond delay="0"/>
+                                          </p:stCondLst>
+                                        </p:cTn>
+                                        <p:tgtEl>
+                                          <p:spTgt spid="21"/>
+                                        </p:tgtEl>
+                                        <p:attrNameLst>
+                                          <p:attrName>style.visibility</p:attrName>
+                                        </p:attrNameLst>
+                                      </p:cBhvr>
+                                      <p:to>
+                                        <p:strVal val="visible"/>
+                                      </p:to>
+                                    </p:set>
+                                    <p:animEffect transition="in" filter="fade">
+                                      <p:cBhvr>
+                                        <p:cTn id="17" dur="500"/>
+                                        <p:tgtEl>
+                                          <p:spTgt spid="21"/>
+                                        </p:tgtEl>
+                                      </p:cBhvr>
+                                    </p:animEffect>
+                                  </p:childTnLst>
+                                </p:cTn>
+                              </p:par>
+                              <p:par>
+                                <p:cTn id="18" presetID="10" presetClass="entr" presetSubtype="0" fill="hold" grpId="0" nodeType="withEffect">
+                                  <p:stCondLst>
+                                    <p:cond delay="0"/>
+                                  </p:stCondLst>
+                                  <p:childTnLst>
+                                    <p:set>
+                                      <p:cBhvr>
+                                        <p:cTn id="19" dur="1" fill="hold">
+                                          <p:stCondLst>
+                                            <p:cond delay="0"/>
+                                          </p:stCondLst>
+                                        </p:cTn>
+                                        <p:tgtEl>
+                                          <p:spTgt spid="19"/>
+                                        </p:tgtEl>
+                                        <p:attrNameLst>
+                                          <p:attrName>style.visibility</p:attrName>
+                                        </p:attrNameLst>
+                                      </p:cBhvr>
+                                      <p:to>
+                                        <p:strVal val="visible"/>
+                                      </p:to>
+                                    </p:set>
+                                    <p:animEffect transition="in" filter="fade">
+                                      <p:cBhvr>
+                                        <p:cTn id="20" dur="500"/>
+                                        <p:tgtEl>
+                                          <p:spTgt spid="19"/>
+                                        </p:tgtEl>
+                                      </p:cBhvr>
+                                    </p:animEffect>
+                                  </p:childTnLst>
+                                </p:cTn>
+                              </p:par>
+                              <p:par>
+                                <p:cTn id="21" presetID="10" presetClass="entr" presetSubtype="0" fill="hold" grpId="0" nodeType="withEffect">
+                                  <p:stCondLst>
+                                    <p:cond delay="0"/>
+                                  </p:stCondLst>
+                                  <p:childTnLst>
+                                    <p:set>
+                                      <p:cBhvr>
+                                        <p:cTn id="22" dur="1" fill="hold">
+                                          <p:stCondLst>
+                                            <p:cond delay="0"/>
+                                          </p:stCondLst>
+                                        </p:cTn>
+                                        <p:tgtEl>
+                                          <p:spTgt spid="22"/>
+                                        </p:tgtEl>
+                                        <p:attrNameLst>
+                                          <p:attrName>style.visibility</p:attrName>
+                                        </p:attrNameLst>
+                                      </p:cBhvr>
+                                      <p:to>
+                                        <p:strVal val="visible"/>
+                                      </p:to>
+                                    </p:set>
+                                    <p:animEffect transition="in" filter="fade">
+                                      <p:cBhvr>
+                                        <p:cTn id="23" dur="500"/>
+                                        <p:tgtEl>
+                                          <p:spTgt spid="22"/>
+                                        </p:tgtEl>
+                                      </p:cBhvr>
+                                    </p:animEffect>
+                                  </p:childTnLst>
+                                </p:cTn>
+                              </p:par>
+                            </p:childTnLst>
+                          </p:cTn>
+                        </p:par>
+                      </p:childTnLst>
+                    </p:cTn>
+                  </p:par>
+                  <p:par>
+                    <p:cTn id="24" fill="hold">
+                      <p:stCondLst>
+                        <p:cond delay="indefinite"/>
+                      </p:stCondLst>
+                      <p:childTnLst>
+                        <p:par>
+                          <p:cTn id="25" fill="hold">
+                            <p:stCondLst>
+                              <p:cond delay="0"/>
+                            </p:stCondLst>
+                            <p:childTnLst>
+                              <p:par>
+                                <p:cTn id="26" presetID="2" presetClass="entr" presetSubtype="4" fill="hold" grpId="0" nodeType="clickEffect">
+                                  <p:stCondLst>
+                                    <p:cond delay="0"/>
+                                  </p:stCondLst>
+                                  <p:childTnLst>
+                                    <p:set>
+                                      <p:cBhvr>
+                                        <p:cTn id="27" dur="1" fill="hold">
+                                          <p:stCondLst>
+                                            <p:cond delay="0"/>
+                                          </p:stCondLst>
+                                        </p:cTn>
+                                        <p:tgtEl>
+                                          <p:spTgt spid="20"/>
+                                        </p:tgtEl>
+                                        <p:attrNameLst>
+                                          <p:attrName>style.visibility</p:attrName>
+                                        </p:attrNameLst>
+                                      </p:cBhvr>
+                                      <p:to>
+                                        <p:strVal val="visible"/>
+                                      </p:to>
+                                    </p:set>
+                                    <p:anim calcmode="lin" valueType="num">
+                                      <p:cBhvr additive="base">
+                                        <p:cTn id="28" dur="500" fill="hold"/>
+                                        <p:tgtEl>
+                                          <p:spTgt spid="20"/>
+                                        </p:tgtEl>
+                                        <p:attrNameLst>
+                                          <p:attrName>ppt_x</p:attrName>
+                                        </p:attrNameLst>
+                                      </p:cBhvr>
+                                      <p:tavLst>
+                                        <p:tav tm="0">
+                                          <p:val>
+                                            <p:strVal val="#ppt_x"/>
+                                          </p:val>
+                                        </p:tav>
+                                        <p:tav tm="100000">
+                                          <p:val>
+                                            <p:strVal val="#ppt_x"/>
+                                          </p:val>
+                                        </p:tav>
+                                      </p:tavLst>
+                                    </p:anim>
+                                    <p:anim calcmode="lin" valueType="num">
+                                      <p:cBhvr additive="base">
+                                        <p:cTn id="29" dur="500" fill="hold"/>
+                                        <p:tgtEl>
+                                          <p:spTgt spid="20"/>
+                                        </p:tgtEl>
+                                        <p:attrNameLst>
+                                          <p:attrName>ppt_y</p:attrName>
+                                        </p:attrNameLst>
+                                      </p:cBhvr>
+                                      <p:tavLst>
+                                        <p:tav tm="0">
+                                          <p:val>
+                                            <p:strVal val="1+#ppt_h/2"/>
+                                          </p:val>
+                                        </p:tav>
+                                        <p:tav tm="100000">
+                                          <p:val>
+                                            <p:strVal val="#ppt_y"/>
+                                          </p:val>
+                                        </p:tav>
+                                      </p:tavLst>
+                                    </p:anim>
+                                  </p:childTnLst>
+                                </p:cTn>
+                              </p:par>
+                            </p:childTnLst>
+                          </p:cTn>
+                        </p:par>
+                      </p:childTnLst>
+                    </p:cTn>
+                  </p:par>
+                  <p:par>
+                    <p:cTn id="30" fill="hold">
+                      <p:stCondLst>
+                        <p:cond delay="indefinite"/>
+                      </p:stCondLst>
+                      <p:childTnLst>
+                        <p:par>
+                          <p:cTn id="31" fill="hold">
+                            <p:stCondLst>
+                              <p:cond delay="0"/>
+                            </p:stCondLst>
+                            <p:childTnLst>
+                              <p:par>
+                                <p:cTn id="32" presetID="10" presetClass="entr" presetSubtype="0" fill="hold" grpId="0" nodeType="clickEffect">
+                                  <p:stCondLst>
+                                    <p:cond delay="0"/>
+                                  </p:stCondLst>
+                                  <p:childTnLst>
+                                    <p:set>
+                                      <p:cBhvr>
+                                        <p:cTn id="33" dur="1" fill="hold">
+                                          <p:stCondLst>
+                                            <p:cond delay="0"/>
+                                          </p:stCondLst>
+                                        </p:cTn>
+                                        <p:tgtEl>
+                                          <p:spTgt spid="24"/>
+                                        </p:tgtEl>
+                                        <p:attrNameLst>
+                                          <p:attrName>style.visibility</p:attrName>
+                                        </p:attrNameLst>
+                                      </p:cBhvr>
+                                      <p:to>
+                                        <p:strVal val="visible"/>
+                                      </p:to>
+                                    </p:set>
+                                    <p:animEffect transition="in" filter="fade">
+                                      <p:cBhvr>
+                                        <p:cTn id="34" dur="500"/>
+                                        <p:tgtEl>
+                                          <p:spTgt spid="24"/>
+                                        </p:tgtEl>
+                                      </p:cBhvr>
+                                    </p:animEffect>
+                                  </p:childTnLst>
+                                </p:cTn>
+                              </p:par>
+                            </p:childTnLst>
+                          </p:cTn>
+                        </p:par>
+                      </p:childTnLst>
+                    </p:cTn>
+                  </p:par>
+                  <p:par>
+                    <p:cTn id="35" fill="hold">
+                      <p:stCondLst>
+                        <p:cond delay="indefinite"/>
+                      </p:stCondLst>
+                      <p:childTnLst>
+                        <p:par>
+                          <p:cTn id="36" fill="hold">
+                            <p:stCondLst>
+                              <p:cond delay="0"/>
+                            </p:stCondLst>
+                            <p:childTnLst>
+                              <p:par>
+                                <p:cTn id="37" presetID="10" presetClass="entr" presetSubtype="0" fill="hold" grpId="0" nodeType="clickEffect">
+                                  <p:stCondLst>
+                                    <p:cond delay="0"/>
+                                  </p:stCondLst>
+                                  <p:childTnLst>
+                                    <p:set>
+                                      <p:cBhvr>
+                                        <p:cTn id="38" dur="1" fill="hold">
+                                          <p:stCondLst>
+                                            <p:cond delay="0"/>
+                                          </p:stCondLst>
+                                        </p:cTn>
+                                        <p:tgtEl>
+                                          <p:spTgt spid="25"/>
+                                        </p:tgtEl>
+                                        <p:attrNameLst>
+                                          <p:attrName>style.visibility</p:attrName>
+                                        </p:attrNameLst>
+                                      </p:cBhvr>
+                                      <p:to>
+                                        <p:strVal val="visible"/>
+                                      </p:to>
+                                    </p:set>
+                                    <p:animEffect transition="in" filter="fade">
+                                      <p:cBhvr>
+                                        <p:cTn id="39" dur="500"/>
+                                        <p:tgtEl>
+                                          <p:spTgt spid="25"/>
+                                        </p:tgtEl>
+                                      </p:cBhvr>
+                                    </p:animEffect>
+                                  </p:childTnLst>
+                                </p:cTn>
+                              </p:par>
+                            </p:childTnLst>
+                          </p:cTn>
+                        </p:par>
+                      </p:childTnLst>
+                    </p:cTn>
+                  </p:par>
+                </p:childTnLst>
+              </p:cTn>
+              <p:prevCondLst>
+                <p:cond evt="onPrev" delay="0">
+                  <p:tgtEl>
+                    <p:sldTgt/>
+                  </p:tgtEl>
+                </p:cond>
+              </p:prevCondLst>
+              <p:nextCondLst>
+                <p:cond evt="onNext" delay="0">
+                  <p:tgtEl>
+                    <p:sldTgt/>
+                  </p:tgtEl>
+                </p:cond>
+              </p:nextCondLst>
+            </p:seq>
+          </p:childTnLst>
+        </p:cTn>
       </p:par>
     </p:tnLst>
+    <p:bldLst>
+      <p:bldP spid="18" grpId="0"/>
+      <p:bldP spid="19" grpId="0"/>
+      <p:bldP spid="20" grpId="0"/>
+      <p:bldP spid="21" grpId="0"/>
+      <p:bldP spid="22" grpId="0"/>
+      <p:bldP spid="24" grpId="0"/>
+      <p:bldP spid="25" grpId="0"/>
+    </p:bldLst>
   </p:timing>
 </p:sld>
 </file>

--- a/sql/摩爾迦納旅聞報報.pptx
+++ b/sql/摩爾迦納旅聞報報.pptx
@@ -3951,7 +3951,7 @@
           <a:p>
             <a:fld id="{F7AFFB9B-9FB8-469E-96F9-4D32314110B6}" type="datetimeFigureOut">
               <a:rPr lang="en-US" dirty="0"/>
-              <a:t>9/8/2020</a:t>
+              <a:t>9/9/2020</a:t>
             </a:fld>
             <a:endParaRPr lang="en-US" dirty="0"/>
           </a:p>
@@ -4279,7 +4279,7 @@
           <a:p>
             <a:fld id="{341D2AC3-6A0B-4169-B1EA-E3AE8B351BDD}" type="datetimeFigureOut">
               <a:rPr lang="en-US" dirty="0"/>
-              <a:t>9/8/2020</a:t>
+              <a:t>9/9/2020</a:t>
             </a:fld>
             <a:endParaRPr lang="en-US" dirty="0"/>
           </a:p>
@@ -4470,7 +4470,7 @@
           <a:p>
             <a:fld id="{DD4B9363-8B87-41B7-9F8E-64519CBB8F34}" type="datetimeFigureOut">
               <a:rPr lang="en-US" dirty="0"/>
-              <a:t>9/8/2020</a:t>
+              <a:t>9/9/2020</a:t>
             </a:fld>
             <a:endParaRPr lang="en-US" dirty="0"/>
           </a:p>
@@ -4735,7 +4735,7 @@
           <a:p>
             <a:fld id="{EAEF5746-5284-4951-9F37-7AE924EDBCB7}" type="datetimeFigureOut">
               <a:rPr lang="en-US" dirty="0"/>
-              <a:t>9/8/2020</a:t>
+              <a:t>9/9/2020</a:t>
             </a:fld>
             <a:endParaRPr lang="en-US" dirty="0"/>
           </a:p>
@@ -5158,7 +5158,7 @@
           <a:p>
             <a:fld id="{02398B29-7265-4A65-A2A4-6703C057B7C1}" type="datetimeFigureOut">
               <a:rPr lang="en-US" dirty="0"/>
-              <a:t>9/8/2020</a:t>
+              <a:t>9/9/2020</a:t>
             </a:fld>
             <a:endParaRPr lang="en-US" dirty="0"/>
           </a:p>
@@ -5703,7 +5703,7 @@
           <a:p>
             <a:fld id="{28FBA082-94DF-4C4B-A041-6624924AB0A8}" type="datetimeFigureOut">
               <a:rPr lang="en-US" dirty="0"/>
-              <a:t>9/8/2020</a:t>
+              <a:t>9/9/2020</a:t>
             </a:fld>
             <a:endParaRPr lang="en-US" dirty="0"/>
           </a:p>
@@ -6488,7 +6488,7 @@
           <a:p>
             <a:fld id="{B27686C4-3AB5-4E0C-86CA-FB108C350AA9}" type="datetimeFigureOut">
               <a:rPr lang="en-US" dirty="0"/>
-              <a:t>9/8/2020</a:t>
+              <a:t>9/9/2020</a:t>
             </a:fld>
             <a:endParaRPr lang="en-US" dirty="0"/>
           </a:p>
@@ -6662,7 +6662,7 @@
           <a:p>
             <a:fld id="{49FF1211-4E0C-4AB3-B04F-585959BDAFE8}" type="datetimeFigureOut">
               <a:rPr lang="en-US" dirty="0"/>
-              <a:t>9/8/2020</a:t>
+              <a:t>9/9/2020</a:t>
             </a:fld>
             <a:endParaRPr lang="en-US" dirty="0"/>
           </a:p>
@@ -6841,7 +6841,7 @@
           <a:p>
             <a:fld id="{28BDECAF-D3BE-4069-9C78-642ECCD01477}" type="datetimeFigureOut">
               <a:rPr lang="en-US" dirty="0"/>
-              <a:t>9/8/2020</a:t>
+              <a:t>9/9/2020</a:t>
             </a:fld>
             <a:endParaRPr lang="en-US" dirty="0"/>
           </a:p>
@@ -7011,7 +7011,7 @@
           <a:p>
             <a:fld id="{8EFBDC27-E420-4878-9EE6-7B9656D6442A}" type="datetimeFigureOut">
               <a:rPr lang="en-US" dirty="0"/>
-              <a:t>9/8/2020</a:t>
+              <a:t>9/9/2020</a:t>
             </a:fld>
             <a:endParaRPr lang="en-US" dirty="0"/>
           </a:p>
@@ -7256,7 +7256,7 @@
           <a:p>
             <a:fld id="{0F7F47CF-67C9-420C-80A5-E2069FF0C2DF}" type="datetimeFigureOut">
               <a:rPr lang="en-US" dirty="0"/>
-              <a:t>9/8/2020</a:t>
+              <a:t>9/9/2020</a:t>
             </a:fld>
             <a:endParaRPr lang="en-US" dirty="0"/>
           </a:p>
@@ -7488,7 +7488,7 @@
           <a:p>
             <a:fld id="{AE22DC73-F065-42F5-A9F2-D90B2E42A0B3}" type="datetimeFigureOut">
               <a:rPr lang="en-US" dirty="0"/>
-              <a:t>9/8/2020</a:t>
+              <a:t>9/9/2020</a:t>
             </a:fld>
             <a:endParaRPr lang="en-US" dirty="0"/>
           </a:p>
@@ -7868,7 +7868,7 @@
           <a:p>
             <a:fld id="{76BEA702-9B29-41CC-9BCC-3DF8A0D379FE}" type="datetimeFigureOut">
               <a:rPr lang="en-US" dirty="0"/>
-              <a:t>9/8/2020</a:t>
+              <a:t>9/9/2020</a:t>
             </a:fld>
             <a:endParaRPr lang="en-US" dirty="0"/>
           </a:p>
@@ -7981,7 +7981,7 @@
           <a:p>
             <a:fld id="{097649AC-CB8F-4FF1-9A34-5861C74DD0A7}" type="datetimeFigureOut">
               <a:rPr lang="en-US" dirty="0"/>
-              <a:t>9/8/2020</a:t>
+              <a:t>9/9/2020</a:t>
             </a:fld>
             <a:endParaRPr lang="en-US" dirty="0"/>
           </a:p>
@@ -8071,7 +8071,7 @@
           <a:p>
             <a:fld id="{3EC5CECA-2D3A-4680-9B49-752200DE467C}" type="datetimeFigureOut">
               <a:rPr lang="en-US" dirty="0"/>
-              <a:t>9/8/2020</a:t>
+              <a:t>9/9/2020</a:t>
             </a:fld>
             <a:endParaRPr lang="en-US" dirty="0"/>
           </a:p>
@@ -8319,7 +8319,7 @@
           <a:p>
             <a:fld id="{50C3BFE2-83B7-4B0A-B9D3-AB28331082B3}" type="datetimeFigureOut">
               <a:rPr lang="en-US" dirty="0"/>
-              <a:t>9/8/2020</a:t>
+              <a:t>9/9/2020</a:t>
             </a:fld>
             <a:endParaRPr lang="en-US" dirty="0"/>
           </a:p>
@@ -8583,7 +8583,7 @@
           <a:p>
             <a:fld id="{12EF78E3-FDA3-4D28-AAA2-0B81F349A39D}" type="datetimeFigureOut">
               <a:rPr lang="en-US" dirty="0"/>
-              <a:t>9/8/2020</a:t>
+              <a:t>9/9/2020</a:t>
             </a:fld>
             <a:endParaRPr lang="en-US" dirty="0"/>
           </a:p>
@@ -8981,7 +8981,7 @@
           <a:p>
             <a:fld id="{C35BB1C6-BF8F-4481-8AB2-603A1C8A906A}" type="datetimeFigureOut">
               <a:rPr lang="en-US" dirty="0"/>
-              <a:t>9/8/2020</a:t>
+              <a:t>9/9/2020</a:t>
             </a:fld>
             <a:endParaRPr lang="en-US" dirty="0"/>
           </a:p>
@@ -12437,7 +12437,53 @@
           <a:bodyPr/>
           <a:lstStyle/>
           <a:p>
-            <a:endParaRPr lang="zh-TW" altLang="en-US" dirty="0"/>
+            <a:pPr marL="0" indent="0">
+              <a:buNone/>
+            </a:pPr>
+            <a:r>
+              <a:rPr lang="en-US" altLang="zh-TW" b="1" u="sng" dirty="0" smtClean="0">
+                <a:solidFill>
+                  <a:schemeClr val="tx2"/>
+                </a:solidFill>
+              </a:rPr>
+              <a:t>//\\</a:t>
+            </a:r>
+            <a:r>
+              <a:rPr lang="zh-TW" altLang="en-US" b="1" u="sng" dirty="0" smtClean="0">
+                <a:solidFill>
+                  <a:schemeClr val="tx2"/>
+                </a:solidFill>
+                <a:hlinkClick r:id="rId2"/>
+              </a:rPr>
+              <a:t>迦</a:t>
+            </a:r>
+            <a:r>
+              <a:rPr lang="zh-TW" altLang="en-US" b="1" u="sng" dirty="0">
+                <a:solidFill>
+                  <a:schemeClr val="tx2"/>
+                </a:solidFill>
+                <a:hlinkClick r:id="rId2"/>
+              </a:rPr>
+              <a:t>納旅聞報</a:t>
+            </a:r>
+            <a:r>
+              <a:rPr lang="zh-TW" altLang="en-US" b="1" u="sng" dirty="0" smtClean="0">
+                <a:solidFill>
+                  <a:schemeClr val="tx2"/>
+                </a:solidFill>
+                <a:hlinkClick r:id="rId2"/>
+              </a:rPr>
+              <a:t>報</a:t>
+            </a:r>
+            <a:r>
+              <a:rPr lang="en-US" altLang="zh-TW" b="1" u="sng" dirty="0" smtClean="0">
+                <a:solidFill>
+                  <a:schemeClr val="tx2"/>
+                </a:solidFill>
+              </a:rPr>
+              <a:t>//\\</a:t>
+            </a:r>
+            <a:endParaRPr lang="zh-TW" altLang="en-US" b="1" u="sng" dirty="0"/>
           </a:p>
         </p:txBody>
       </p:sp>
